--- a/notes/13-optimization-linking.pptx
+++ b/notes/13-optimization-linking.pptx
@@ -322,7 +322,7 @@
                   <c:v>3.439454</c:v>
                 </c:pt>
                 <c:pt idx="4">
-                  <c:v>6.113887999999984</c:v>
+                  <c:v>6.113887999999983</c:v>
                 </c:pt>
                 <c:pt idx="5">
                   <c:v>9.552553</c:v>
@@ -337,7 +337,7 @@
                   <c:v>24.451184</c:v>
                 </c:pt>
                 <c:pt idx="9">
-                  <c:v>30.94573999999985</c:v>
+                  <c:v>30.94573999999984</c:v>
                 </c:pt>
                 <c:pt idx="10">
                   <c:v>38.204385</c:v>
@@ -400,11 +400,11 @@
           <c:showPercent val="0"/>
           <c:showBubbleSize val="0"/>
         </c:dLbls>
-        <c:axId val="1887825128"/>
-        <c:axId val="1891156328"/>
+        <c:axId val="1881582248"/>
+        <c:axId val="1889476568"/>
       </c:scatterChart>
       <c:valAx>
-        <c:axId val="1887825128"/>
+        <c:axId val="1881582248"/>
         <c:scaling>
           <c:orientation val="minMax"/>
           <c:max val="500000.0"/>
@@ -479,12 +479,12 @@
             <a:endParaRPr lang="en-US"/>
           </a:p>
         </c:txPr>
-        <c:crossAx val="1891156328"/>
+        <c:crossAx val="1889476568"/>
         <c:crosses val="autoZero"/>
         <c:crossBetween val="midCat"/>
       </c:valAx>
       <c:valAx>
-        <c:axId val="1891156328"/>
+        <c:axId val="1889476568"/>
         <c:scaling>
           <c:orientation val="minMax"/>
           <c:max val="250.0"/>
@@ -569,7 +569,7 @@
             <a:endParaRPr lang="en-US"/>
           </a:p>
         </c:txPr>
-        <c:crossAx val="1887825128"/>
+        <c:crossAx val="1881582248"/>
         <c:crosses val="autoZero"/>
         <c:crossBetween val="midCat"/>
       </c:valAx>
@@ -794,7 +794,7 @@
                   <c:v>3.439454</c:v>
                 </c:pt>
                 <c:pt idx="4">
-                  <c:v>6.113887999999982</c:v>
+                  <c:v>6.113887999999981</c:v>
                 </c:pt>
                 <c:pt idx="5">
                   <c:v>9.552553</c:v>
@@ -809,7 +809,7 @@
                   <c:v>24.451184</c:v>
                 </c:pt>
                 <c:pt idx="9">
-                  <c:v>30.94573999999983</c:v>
+                  <c:v>30.94573999999982</c:v>
                 </c:pt>
                 <c:pt idx="10">
                   <c:v>38.204385</c:v>
@@ -1085,11 +1085,11 @@
           <c:showPercent val="0"/>
           <c:showBubbleSize val="0"/>
         </c:dLbls>
-        <c:axId val="1872392936"/>
-        <c:axId val="1872208328"/>
+        <c:axId val="1930035976"/>
+        <c:axId val="1930319992"/>
       </c:scatterChart>
       <c:valAx>
-        <c:axId val="1872392936"/>
+        <c:axId val="1930035976"/>
         <c:scaling>
           <c:orientation val="minMax"/>
           <c:max val="500000.0"/>
@@ -1164,12 +1164,12 @@
             <a:endParaRPr lang="en-US"/>
           </a:p>
         </c:txPr>
-        <c:crossAx val="1872208328"/>
+        <c:crossAx val="1930319992"/>
         <c:crosses val="autoZero"/>
         <c:crossBetween val="midCat"/>
       </c:valAx>
       <c:valAx>
-        <c:axId val="1872208328"/>
+        <c:axId val="1930319992"/>
         <c:scaling>
           <c:orientation val="minMax"/>
           <c:max val="250.0"/>
@@ -1254,7 +1254,7 @@
             <a:endParaRPr lang="en-US"/>
           </a:p>
         </c:txPr>
-        <c:crossAx val="1872392936"/>
+        <c:crossAx val="1930035976"/>
         <c:crosses val="autoZero"/>
         <c:crossBetween val="midCat"/>
       </c:valAx>
@@ -1388,7 +1388,7 @@
           <a:p>
             <a:fld id="{F39240DA-6263-5241-A2C0-237D914F724B}" type="datetimeFigureOut">
               <a:rPr lang="en-US" smtClean="0"/>
-              <a:t>10/29/18</a:t>
+              <a:t>4/1/19</a:t>
             </a:fld>
             <a:endParaRPr lang="en-US"/>
           </a:p>
@@ -4750,7 +4750,7 @@
           <a:p>
             <a:fld id="{415ED88B-2954-D24A-AAD3-6CCC114B097E}" type="datetimeFigureOut">
               <a:rPr lang="en-US" smtClean="0"/>
-              <a:t>10/29/18</a:t>
+              <a:t>4/1/19</a:t>
             </a:fld>
             <a:endParaRPr lang="en-US"/>
           </a:p>
@@ -4920,7 +4920,7 @@
           <a:p>
             <a:fld id="{415ED88B-2954-D24A-AAD3-6CCC114B097E}" type="datetimeFigureOut">
               <a:rPr lang="en-US" smtClean="0"/>
-              <a:t>10/29/18</a:t>
+              <a:t>4/1/19</a:t>
             </a:fld>
             <a:endParaRPr lang="en-US"/>
           </a:p>
@@ -5100,7 +5100,7 @@
           <a:p>
             <a:fld id="{415ED88B-2954-D24A-AAD3-6CCC114B097E}" type="datetimeFigureOut">
               <a:rPr lang="en-US" smtClean="0"/>
-              <a:t>10/29/18</a:t>
+              <a:t>4/1/19</a:t>
             </a:fld>
             <a:endParaRPr lang="en-US"/>
           </a:p>
@@ -5301,7 +5301,7 @@
           <a:p>
             <a:fld id="{415ED88B-2954-D24A-AAD3-6CCC114B097E}" type="datetimeFigureOut">
               <a:rPr lang="en-US" smtClean="0"/>
-              <a:t>10/29/18</a:t>
+              <a:t>4/1/19</a:t>
             </a:fld>
             <a:endParaRPr lang="en-US"/>
           </a:p>
@@ -5547,7 +5547,7 @@
           <a:p>
             <a:fld id="{415ED88B-2954-D24A-AAD3-6CCC114B097E}" type="datetimeFigureOut">
               <a:rPr lang="en-US" smtClean="0"/>
-              <a:t>10/29/18</a:t>
+              <a:t>4/1/19</a:t>
             </a:fld>
             <a:endParaRPr lang="en-US"/>
           </a:p>
@@ -5835,7 +5835,7 @@
           <a:p>
             <a:fld id="{415ED88B-2954-D24A-AAD3-6CCC114B097E}" type="datetimeFigureOut">
               <a:rPr lang="en-US" smtClean="0"/>
-              <a:t>10/29/18</a:t>
+              <a:t>4/1/19</a:t>
             </a:fld>
             <a:endParaRPr lang="en-US"/>
           </a:p>
@@ -6257,7 +6257,7 @@
           <a:p>
             <a:fld id="{415ED88B-2954-D24A-AAD3-6CCC114B097E}" type="datetimeFigureOut">
               <a:rPr lang="en-US" smtClean="0"/>
-              <a:t>10/29/18</a:t>
+              <a:t>4/1/19</a:t>
             </a:fld>
             <a:endParaRPr lang="en-US"/>
           </a:p>
@@ -6375,7 +6375,7 @@
           <a:p>
             <a:fld id="{415ED88B-2954-D24A-AAD3-6CCC114B097E}" type="datetimeFigureOut">
               <a:rPr lang="en-US" smtClean="0"/>
-              <a:t>10/29/18</a:t>
+              <a:t>4/1/19</a:t>
             </a:fld>
             <a:endParaRPr lang="en-US"/>
           </a:p>
@@ -6470,7 +6470,7 @@
           <a:p>
             <a:fld id="{415ED88B-2954-D24A-AAD3-6CCC114B097E}" type="datetimeFigureOut">
               <a:rPr lang="en-US" smtClean="0"/>
-              <a:t>10/29/18</a:t>
+              <a:t>4/1/19</a:t>
             </a:fld>
             <a:endParaRPr lang="en-US"/>
           </a:p>
@@ -6747,7 +6747,7 @@
           <a:p>
             <a:fld id="{415ED88B-2954-D24A-AAD3-6CCC114B097E}" type="datetimeFigureOut">
               <a:rPr lang="en-US" smtClean="0"/>
-              <a:t>10/29/18</a:t>
+              <a:t>4/1/19</a:t>
             </a:fld>
             <a:endParaRPr lang="en-US"/>
           </a:p>
@@ -7000,7 +7000,7 @@
           <a:p>
             <a:fld id="{415ED88B-2954-D24A-AAD3-6CCC114B097E}" type="datetimeFigureOut">
               <a:rPr lang="en-US" smtClean="0"/>
-              <a:t>10/29/18</a:t>
+              <a:t>4/1/19</a:t>
             </a:fld>
             <a:endParaRPr lang="en-US"/>
           </a:p>
@@ -7213,7 +7213,7 @@
           <a:p>
             <a:fld id="{415ED88B-2954-D24A-AAD3-6CCC114B097E}" type="datetimeFigureOut">
               <a:rPr lang="en-US" smtClean="0"/>
-              <a:t>10/29/18</a:t>
+              <a:t>4/1/19</a:t>
             </a:fld>
             <a:endParaRPr lang="en-US"/>
           </a:p>
@@ -7675,7 +7675,11 @@
           <a:p>
             <a:r>
               <a:rPr lang="en-US" sz="2800" dirty="0" smtClean="0"/>
-              <a:t>Slides adapted from Bryant and  </a:t>
+              <a:t>Some slides are adapted </a:t>
+            </a:r>
+            <a:r>
+              <a:rPr lang="en-US" sz="2800" dirty="0" smtClean="0"/>
+              <a:t>from Bryant and  </a:t>
             </a:r>
             <a:r>
               <a:rPr lang="en-US" sz="2800" dirty="0" err="1" smtClean="0"/>
@@ -8143,15 +8147,7 @@
             </a:pPr>
             <a:r>
               <a:rPr lang="en-US" dirty="0" smtClean="0"/>
-              <a:t>Optimization </a:t>
-            </a:r>
-            <a:r>
-              <a:rPr lang="en-US" dirty="0" smtClean="0"/>
-              <a:t>obstacle #</a:t>
-            </a:r>
-            <a:r>
-              <a:rPr lang="en-US" dirty="0" smtClean="0"/>
-              <a:t>1: </a:t>
+              <a:t>Optimization obstacle #1: </a:t>
             </a:r>
             <a:br>
               <a:rPr lang="en-US" dirty="0" smtClean="0"/>
@@ -10112,22 +10108,14 @@
             </a:pPr>
             <a:r>
               <a:rPr lang="en-US" dirty="0" smtClean="0"/>
-              <a:t>Optimization </a:t>
-            </a:r>
-            <a:r>
-              <a:rPr lang="en-US" dirty="0" smtClean="0"/>
-              <a:t>obstacle: </a:t>
+              <a:t>Optimization obstacle: </a:t>
             </a:r>
             <a:br>
               <a:rPr lang="en-US" dirty="0" smtClean="0"/>
             </a:br>
             <a:r>
               <a:rPr lang="en-US" dirty="0" smtClean="0"/>
-              <a:t>Procedure </a:t>
-            </a:r>
-            <a:r>
-              <a:rPr lang="en-US" dirty="0" smtClean="0"/>
-              <a:t>Calls</a:t>
+              <a:t>Procedure Calls</a:t>
             </a:r>
           </a:p>
         </p:txBody>
@@ -10227,11 +10215,7 @@
             </a:pPr>
             <a:r>
               <a:rPr lang="en-US" dirty="0" smtClean="0"/>
-              <a:t>Typically treat </a:t>
-            </a:r>
-            <a:r>
-              <a:rPr lang="en-US" dirty="0" smtClean="0"/>
-              <a:t>procedure call as a black box</a:t>
+              <a:t>Typically treat procedure call as a black box</a:t>
             </a:r>
           </a:p>
           <a:p>
@@ -10251,7 +10235,6 @@
               <a:rPr lang="en-US" dirty="0" smtClean="0"/>
               <a:t>Remedy:</a:t>
             </a:r>
-            <a:endParaRPr lang="en-US" dirty="0" smtClean="0"/>
           </a:p>
           <a:p>
             <a:pPr lvl="1" eaLnBrk="1" hangingPunct="1">
@@ -10329,15 +10312,7 @@
             </a:pPr>
             <a:r>
               <a:rPr lang="en-US" dirty="0" smtClean="0"/>
-              <a:t>Optimization </a:t>
-            </a:r>
-            <a:r>
-              <a:rPr lang="en-US" dirty="0" smtClean="0"/>
-              <a:t>obstacle 2</a:t>
-            </a:r>
-            <a:r>
-              <a:rPr lang="en-US" dirty="0" smtClean="0"/>
-              <a:t>:</a:t>
+              <a:t>Optimization obstacle 2:</a:t>
             </a:r>
             <a:br>
               <a:rPr lang="en-US" dirty="0" smtClean="0"/>
@@ -10376,11 +10351,7 @@
           <a:p>
             <a:r>
               <a:rPr lang="en-US" dirty="0" smtClean="0"/>
-              <a:t>Code </a:t>
-            </a:r>
-            <a:r>
-              <a:rPr lang="en-US" dirty="0" smtClean="0"/>
-              <a:t>updates </a:t>
+              <a:t>Code updates </a:t>
             </a:r>
             <a:r>
               <a:rPr lang="en-US" dirty="0" smtClean="0">
@@ -10392,11 +10363,7 @@
             </a:r>
             <a:r>
               <a:rPr lang="en-US" dirty="0" smtClean="0"/>
-              <a:t>on every </a:t>
-            </a:r>
-            <a:r>
-              <a:rPr lang="en-US" dirty="0" smtClean="0"/>
-              <a:t>iteration</a:t>
+              <a:t>on every iteration</a:t>
             </a:r>
           </a:p>
           <a:p>
@@ -10409,31 +10376,7 @@
             <a:pPr marL="514350" indent="-457200"/>
             <a:r>
               <a:rPr lang="en-US" dirty="0" smtClean="0"/>
-              <a:t>Why </a:t>
-            </a:r>
-            <a:r>
-              <a:rPr lang="en-US" dirty="0" smtClean="0"/>
-              <a:t>not keep </a:t>
-            </a:r>
-            <a:r>
-              <a:rPr lang="en-US" dirty="0" smtClean="0"/>
-              <a:t>sum </a:t>
-            </a:r>
-            <a:r>
-              <a:rPr lang="en-US" dirty="0" smtClean="0"/>
-              <a:t>in a register </a:t>
-            </a:r>
-            <a:r>
-              <a:rPr lang="en-US" dirty="0" smtClean="0"/>
-              <a:t>and </a:t>
-            </a:r>
-            <a:r>
-              <a:rPr lang="en-US" dirty="0" smtClean="0"/>
-              <a:t>write once at </a:t>
-            </a:r>
-            <a:r>
-              <a:rPr lang="en-US" dirty="0" smtClean="0"/>
-              <a:t>the end?</a:t>
+              <a:t>Why not keep sum in a register and write once at the end?</a:t>
             </a:r>
           </a:p>
         </p:txBody>
@@ -10852,14 +10795,7 @@
                 <a:latin typeface="Consolas"/>
                 <a:cs typeface="Consolas"/>
               </a:rPr>
-              <a:t>/</a:t>
-            </a:r>
-            <a:r>
-              <a:rPr lang="en-US" sz="2000" dirty="0" smtClean="0">
-                <a:latin typeface="Consolas"/>
-                <a:cs typeface="Consolas"/>
-              </a:rPr>
-              <a:t>/sum all elements of the array “a”</a:t>
+              <a:t>//sum all elements of the array “a”</a:t>
             </a:r>
             <a:endParaRPr lang="en-US" sz="2000" dirty="0">
               <a:latin typeface="Consolas"/>
@@ -10884,35 +10820,7 @@
                 <a:latin typeface="Consolas"/>
                 <a:cs typeface="Consolas"/>
               </a:rPr>
-              <a:t>sum(</a:t>
-            </a:r>
-            <a:r>
-              <a:rPr lang="en-US" sz="2000" dirty="0" smtClean="0">
-                <a:latin typeface="Consolas"/>
-                <a:cs typeface="Consolas"/>
-              </a:rPr>
-              <a:t>long </a:t>
-            </a:r>
-            <a:r>
-              <a:rPr lang="en-US" sz="2000" dirty="0" smtClean="0">
-                <a:latin typeface="Consolas"/>
-                <a:cs typeface="Consolas"/>
-              </a:rPr>
-              <a:t>*a, long n, long *</a:t>
-            </a:r>
-            <a:r>
-              <a:rPr lang="en-US" sz="2000" dirty="0" smtClean="0">
-                <a:latin typeface="Consolas"/>
-                <a:cs typeface="Consolas"/>
-              </a:rPr>
-              <a:t>result</a:t>
-            </a:r>
-            <a:r>
-              <a:rPr lang="en-US" sz="2000" dirty="0" smtClean="0">
-                <a:latin typeface="Consolas"/>
-                <a:cs typeface="Consolas"/>
-              </a:rPr>
-              <a:t>) </a:t>
+              <a:t>sum(long *a, long n, long *result) </a:t>
             </a:r>
             <a:r>
               <a:rPr lang="en-US" sz="2000" dirty="0">
@@ -10940,19 +10848,8 @@
                 <a:latin typeface="Consolas"/>
                 <a:cs typeface="Consolas"/>
               </a:rPr>
-              <a:t>  </a:t>
-            </a:r>
-            <a:r>
-              <a:rPr lang="en-US" sz="2000" dirty="0" smtClean="0">
-                <a:latin typeface="Consolas"/>
-                <a:cs typeface="Consolas"/>
-              </a:rPr>
-              <a:t> *result = 0;</a:t>
-            </a:r>
-            <a:endParaRPr lang="en-US" sz="2000" dirty="0" smtClean="0">
-              <a:latin typeface="Consolas"/>
-              <a:cs typeface="Consolas"/>
-            </a:endParaRPr>
+              <a:t>   *result = 0;</a:t>
+            </a:r>
           </a:p>
           <a:p>
             <a:pPr algn="l">
@@ -10972,21 +10869,7 @@
                 <a:latin typeface="Consolas"/>
                 <a:cs typeface="Consolas"/>
               </a:rPr>
-              <a:t>   </a:t>
-            </a:r>
-            <a:r>
-              <a:rPr lang="en-US" sz="2000" dirty="0" smtClean="0">
-                <a:latin typeface="Consolas"/>
-                <a:cs typeface="Consolas"/>
-              </a:rPr>
-              <a:t>for (</a:t>
-            </a:r>
-            <a:r>
-              <a:rPr lang="en-US" sz="2000" dirty="0" smtClean="0">
-                <a:latin typeface="Consolas"/>
-                <a:cs typeface="Consolas"/>
-              </a:rPr>
-              <a:t>long </a:t>
+              <a:t>   for (long </a:t>
             </a:r>
             <a:r>
               <a:rPr lang="en-US" sz="2000" dirty="0" err="1">
@@ -11077,21 +10960,7 @@
                 <a:latin typeface="Consolas"/>
                 <a:cs typeface="Consolas"/>
               </a:rPr>
-              <a:t>        </a:t>
-            </a:r>
-            <a:r>
-              <a:rPr lang="en-US" sz="2000" dirty="0" smtClean="0">
-                <a:latin typeface="Consolas"/>
-                <a:cs typeface="Consolas"/>
-              </a:rPr>
-              <a:t>(*result)</a:t>
-            </a:r>
-            <a:r>
-              <a:rPr lang="en-US" sz="2000" dirty="0" smtClean="0">
-                <a:latin typeface="Consolas"/>
-                <a:cs typeface="Consolas"/>
-              </a:rPr>
-              <a:t> </a:t>
+              <a:t>        (*result) </a:t>
             </a:r>
             <a:r>
               <a:rPr lang="en-US" sz="2000" dirty="0">
@@ -11535,14 +11404,7 @@
                 <a:latin typeface="Consolas"/>
                 <a:cs typeface="Consolas"/>
               </a:rPr>
-              <a:t>  </a:t>
-            </a:r>
-            <a:r>
-              <a:rPr lang="en-US" dirty="0" smtClean="0">
-                <a:latin typeface="Consolas"/>
-                <a:cs typeface="Consolas"/>
-              </a:rPr>
-              <a:t>long a[3] = {1, 1, 1};</a:t>
+              <a:t>  long a[3] = {1, 1, 1};</a:t>
             </a:r>
             <a:endParaRPr lang="en-US" dirty="0">
               <a:latin typeface="Consolas"/>
@@ -11560,14 +11422,7 @@
                 <a:latin typeface="Consolas"/>
                 <a:cs typeface="Consolas"/>
               </a:rPr>
-              <a:t>   </a:t>
-            </a:r>
-            <a:r>
-              <a:rPr lang="en-US" dirty="0" smtClean="0">
-                <a:latin typeface="Consolas"/>
-                <a:cs typeface="Consolas"/>
-              </a:rPr>
-              <a:t>long *result;</a:t>
+              <a:t>   long *result;</a:t>
             </a:r>
           </a:p>
           <a:p>
@@ -11608,10 +11463,6 @@
               </a:rPr>
               <a:t> </a:t>
             </a:r>
-            <a:endParaRPr lang="en-US" dirty="0" smtClean="0">
-              <a:latin typeface="Consolas"/>
-              <a:cs typeface="Consolas"/>
-            </a:endParaRPr>
           </a:p>
           <a:p>
             <a:pPr algn="l">
@@ -11633,10 +11484,6 @@
               </a:rPr>
               <a:t>  result = &amp;r;</a:t>
             </a:r>
-            <a:endParaRPr lang="en-US" dirty="0" smtClean="0">
-              <a:latin typeface="Consolas"/>
-              <a:cs typeface="Consolas"/>
-            </a:endParaRPr>
           </a:p>
           <a:p>
             <a:pPr algn="l">
@@ -11721,10 +11568,6 @@
               </a:rPr>
               <a:t>  sum(a, 3, result);</a:t>
             </a:r>
-            <a:endParaRPr lang="en-US" dirty="0" smtClean="0">
-              <a:latin typeface="Consolas"/>
-              <a:cs typeface="Consolas"/>
-            </a:endParaRPr>
           </a:p>
           <a:p>
             <a:pPr algn="l">
@@ -11909,13 +11752,7 @@
                 <a:rPr lang="en-US" sz="1600" dirty="0" smtClean="0">
                   <a:latin typeface="Courier New" pitchFamily="49" charset="0"/>
                 </a:rPr>
-                <a:t>before loop</a:t>
-              </a:r>
-              <a:r>
-                <a:rPr lang="en-US" sz="1600" dirty="0" smtClean="0">
-                  <a:latin typeface="Courier New" pitchFamily="49" charset="0"/>
-                </a:rPr>
-                <a:t>:</a:t>
+                <a:t>before loop:</a:t>
               </a:r>
               <a:endParaRPr lang="en-US" sz="1600" dirty="0">
                 <a:latin typeface="Courier New" pitchFamily="49" charset="0"/>
@@ -12252,10 +12089,6 @@
               </a:rPr>
               <a:t>}</a:t>
             </a:r>
-            <a:endParaRPr lang="en-US" dirty="0">
-              <a:latin typeface="Consolas"/>
-              <a:cs typeface="Consolas"/>
-            </a:endParaRPr>
           </a:p>
         </p:txBody>
       </p:sp>
@@ -12463,37 +12296,8 @@
                     <a:srgbClr val="FF0000"/>
                   </a:solidFill>
                 </a:rPr>
-                <a:t>*result </a:t>
+                <a:t>*result may alias to some location in array a</a:t>
               </a:r>
-              <a:r>
-                <a:rPr lang="en-US" sz="2000" dirty="0" smtClean="0">
-                  <a:solidFill>
-                    <a:srgbClr val="FF0000"/>
-                  </a:solidFill>
-                </a:rPr>
-                <a:t>may alias to some </a:t>
-              </a:r>
-              <a:r>
-                <a:rPr lang="en-US" sz="2000" dirty="0" smtClean="0">
-                  <a:solidFill>
-                    <a:srgbClr val="FF0000"/>
-                  </a:solidFill>
-                </a:rPr>
-                <a:t>location </a:t>
-              </a:r>
-              <a:r>
-                <a:rPr lang="en-US" sz="2000" dirty="0" smtClean="0">
-                  <a:solidFill>
-                    <a:srgbClr val="FF0000"/>
-                  </a:solidFill>
-                </a:rPr>
-                <a:t>in array a</a:t>
-              </a:r>
-              <a:endParaRPr lang="en-US" sz="2000" dirty="0" smtClean="0">
-                <a:solidFill>
-                  <a:srgbClr val="FF0000"/>
-                </a:solidFill>
-              </a:endParaRPr>
             </a:p>
             <a:p>
               <a:r>
@@ -12511,23 +12315,7 @@
                     <a:srgbClr val="FF0000"/>
                   </a:solidFill>
                 </a:rPr>
-                <a:t>updates </a:t>
-              </a:r>
-              <a:r>
-                <a:rPr lang="en-US" sz="2000" dirty="0" smtClean="0">
-                  <a:solidFill>
-                    <a:srgbClr val="FF0000"/>
-                  </a:solidFill>
-                </a:rPr>
-                <a:t>to </a:t>
-              </a:r>
-              <a:r>
-                <a:rPr lang="en-US" sz="2000" dirty="0" smtClean="0">
-                  <a:solidFill>
-                    <a:srgbClr val="FF0000"/>
-                  </a:solidFill>
-                </a:rPr>
-                <a:t> *result may change a</a:t>
+                <a:t>updates to  *result may change a</a:t>
               </a:r>
               <a:endParaRPr lang="en-US" sz="2000" dirty="0">
                 <a:solidFill>
@@ -13063,22 +12851,14 @@
             </a:pPr>
             <a:r>
               <a:rPr lang="en-US" dirty="0" smtClean="0"/>
-              <a:t>Optimization </a:t>
-            </a:r>
-            <a:r>
-              <a:rPr lang="en-US" dirty="0" smtClean="0"/>
-              <a:t>obstacle: </a:t>
+              <a:t>Optimization obstacle: </a:t>
             </a:r>
             <a:br>
               <a:rPr lang="en-US" dirty="0" smtClean="0"/>
             </a:br>
             <a:r>
               <a:rPr lang="en-US" dirty="0" smtClean="0"/>
-              <a:t>memory </a:t>
-            </a:r>
-            <a:r>
-              <a:rPr lang="en-US" dirty="0" smtClean="0"/>
-              <a:t>aliasing</a:t>
+              <a:t>memory aliasing</a:t>
             </a:r>
           </a:p>
         </p:txBody>
@@ -13157,35 +12937,7 @@
                 <a:latin typeface="Consolas"/>
                 <a:cs typeface="Consolas"/>
               </a:rPr>
-              <a:t>void </a:t>
-            </a:r>
-            <a:r>
-              <a:rPr lang="en-US" dirty="0" smtClean="0">
-                <a:latin typeface="Consolas"/>
-                <a:cs typeface="Consolas"/>
-              </a:rPr>
-              <a:t>sum(</a:t>
-            </a:r>
-            <a:r>
-              <a:rPr lang="en-US" dirty="0" smtClean="0">
-                <a:latin typeface="Consolas"/>
-                <a:cs typeface="Consolas"/>
-              </a:rPr>
-              <a:t>long </a:t>
-            </a:r>
-            <a:r>
-              <a:rPr lang="en-US" dirty="0" smtClean="0">
-                <a:latin typeface="Consolas"/>
-                <a:cs typeface="Consolas"/>
-              </a:rPr>
-              <a:t>*a, </a:t>
-            </a:r>
-            <a:r>
-              <a:rPr lang="en-US" dirty="0" smtClean="0">
-                <a:latin typeface="Consolas"/>
-                <a:cs typeface="Consolas"/>
-              </a:rPr>
-              <a:t>long </a:t>
+              <a:t>void sum(long *a, long </a:t>
             </a:r>
             <a:r>
               <a:rPr lang="en-US" dirty="0">
@@ -13345,10 +13097,6 @@
               </a:rPr>
               <a:t>]; </a:t>
             </a:r>
-            <a:endParaRPr lang="en-US" dirty="0" smtClean="0">
-              <a:latin typeface="Consolas"/>
-              <a:cs typeface="Consolas"/>
-            </a:endParaRPr>
           </a:p>
           <a:p>
             <a:pPr algn="l">
@@ -13363,10 +13111,6 @@
               </a:rPr>
               <a:t>   }</a:t>
             </a:r>
-            <a:endParaRPr lang="en-US" dirty="0" smtClean="0">
-              <a:latin typeface="Consolas"/>
-              <a:cs typeface="Consolas"/>
-            </a:endParaRPr>
           </a:p>
           <a:p>
             <a:pPr algn="l">
@@ -13384,13 +13128,6 @@
               </a:rPr>
               <a:t>   *result = sum;</a:t>
             </a:r>
-            <a:endParaRPr lang="en-US" dirty="0" smtClean="0">
-              <a:solidFill>
-                <a:srgbClr val="FF0000"/>
-              </a:solidFill>
-              <a:latin typeface="Consolas"/>
-              <a:cs typeface="Consolas"/>
-            </a:endParaRPr>
           </a:p>
           <a:p>
             <a:pPr algn="l">
@@ -13536,10 +13273,6 @@
               <a:rPr lang="en-US" dirty="0" smtClean="0"/>
               <a:t>Optimization obstacles: </a:t>
             </a:r>
-            <a:r>
-              <a:rPr lang="en-US" dirty="0" smtClean="0"/>
-              <a:t/>
-            </a:r>
             <a:br>
               <a:rPr lang="en-US" dirty="0" smtClean="0"/>
             </a:br>
@@ -13587,7 +13320,7 @@
 </file>
 
 <file path=ppt/slides/slide2.xml><?xml version="1.0" encoding="utf-8"?>
-<p:sld xmlns:a="http://schemas.openxmlformats.org/drawingml/2006/main" xmlns:r="http://schemas.openxmlformats.org/officeDocument/2006/relationships" xmlns:p="http://schemas.openxmlformats.org/presentationml/2006/main" show="0">
+<p:sld xmlns:a="http://schemas.openxmlformats.org/drawingml/2006/main" xmlns:r="http://schemas.openxmlformats.org/officeDocument/2006/relationships" xmlns:p="http://schemas.openxmlformats.org/presentationml/2006/main">
   <p:cSld>
     <p:spTree>
       <p:nvGrpSpPr>
@@ -17531,11 +17264,7 @@
           <a:p>
             <a:r>
               <a:rPr lang="en-US" dirty="0" smtClean="0"/>
-              <a:t>Modular </a:t>
-            </a:r>
-            <a:r>
-              <a:rPr lang="en-US" dirty="0" smtClean="0"/>
-              <a:t>code &amp; efficient compilation</a:t>
+              <a:t>Modular code &amp; efficient compilation</a:t>
             </a:r>
           </a:p>
           <a:p>
@@ -17774,13 +17503,7 @@
               <a:rPr lang="en-US" sz="1800" b="1" dirty="0" smtClean="0">
                 <a:latin typeface="Courier New" charset="0"/>
               </a:rPr>
-              <a:t> </a:t>
-            </a:r>
-            <a:r>
-              <a:rPr lang="en-US" sz="1800" b="1" dirty="0" smtClean="0">
-                <a:latin typeface="Courier New" charset="0"/>
-              </a:rPr>
-              <a:t>swap</a:t>
+              <a:t> swap</a:t>
             </a:r>
             <a:endParaRPr lang="en-US" sz="1800" b="1" dirty="0">
               <a:latin typeface="Courier New" charset="0"/>
@@ -17804,13 +17527,7 @@
               <a:rPr lang="en-US" sz="1800" b="1" dirty="0" smtClean="0">
                 <a:latin typeface="Courier New" charset="0"/>
               </a:rPr>
-              <a:t>count</a:t>
-            </a:r>
-            <a:r>
-              <a:rPr lang="en-US" sz="1800" b="1" dirty="0" smtClean="0">
-                <a:latin typeface="Courier New" charset="0"/>
-              </a:rPr>
-              <a:t>;     /</a:t>
+              <a:t>count;     /</a:t>
             </a:r>
             <a:r>
               <a:rPr lang="en-US" sz="1800" b="1" dirty="0">
@@ -17908,23 +17625,7 @@
                   <a:srgbClr val="FF0000"/>
                 </a:solidFill>
               </a:rPr>
-              <a:t>its </a:t>
-            </a:r>
-            <a:r>
-              <a:rPr lang="en-US" b="1" dirty="0" smtClean="0">
-                <a:solidFill>
-                  <a:srgbClr val="FF0000"/>
-                </a:solidFill>
-              </a:rPr>
-              <a:t>symbol definition </a:t>
-            </a:r>
-            <a:r>
-              <a:rPr lang="en-US" b="1" dirty="0" smtClean="0">
-                <a:solidFill>
-                  <a:srgbClr val="FF0000"/>
-                </a:solidFill>
-              </a:rPr>
-              <a:t>(i.e. the address of that symbol)</a:t>
+              <a:t>its symbol definition (i.e. the address of that symbol)</a:t>
             </a:r>
             <a:endParaRPr lang="en-US" b="1" dirty="0">
               <a:solidFill>
@@ -18045,9 +17746,52 @@
             </a:r>
             <a:r>
               <a:rPr lang="en-US" dirty="0" smtClean="0"/>
-              <a:t> –c ...”, compiler gives a defined symbol a temporary address.  When referencing an unknown symbol, compiler uses a temporary placeholder</a:t>
+              <a:t> –c </a:t>
+            </a:r>
+            <a:r>
+              <a:rPr lang="en-US" dirty="0" err="1" smtClean="0"/>
+              <a:t>main.c</a:t>
+            </a:r>
+            <a:r>
+              <a:rPr lang="en-US" dirty="0" smtClean="0"/>
+              <a:t>”</a:t>
+            </a:r>
+            <a:r>
+              <a:rPr lang="en-US" dirty="0" smtClean="0"/>
+              <a:t>, </a:t>
             </a:r>
             <a:endParaRPr lang="en-US" dirty="0" smtClean="0"/>
+          </a:p>
+          <a:p>
+            <a:pPr lvl="2"/>
+            <a:r>
+              <a:rPr lang="en-US" dirty="0" smtClean="0"/>
+              <a:t>compiler </a:t>
+            </a:r>
+            <a:r>
+              <a:rPr lang="en-US" dirty="0" smtClean="0"/>
+              <a:t>gives </a:t>
+            </a:r>
+            <a:r>
+              <a:rPr lang="en-US" dirty="0" smtClean="0"/>
+              <a:t>each </a:t>
+            </a:r>
+            <a:r>
+              <a:rPr lang="en-US" dirty="0" smtClean="0"/>
+              <a:t>defined symbol a temporary address.  </a:t>
+            </a:r>
+            <a:endParaRPr lang="en-US" dirty="0" smtClean="0"/>
+          </a:p>
+          <a:p>
+            <a:pPr lvl="2"/>
+            <a:r>
+              <a:rPr lang="en-US" dirty="0" smtClean="0"/>
+              <a:t>Upon encountering an </a:t>
+            </a:r>
+            <a:r>
+              <a:rPr lang="en-US" dirty="0" smtClean="0"/>
+              <a:t>unknown symbol, compiler uses a temporary placeholder</a:t>
+            </a:r>
           </a:p>
           <a:p>
             <a:pPr lvl="1"/>
@@ -18057,7 +17801,42 @@
             <a:pPr lvl="1"/>
             <a:r>
               <a:rPr lang="en-US" dirty="0" smtClean="0"/>
-              <a:t>Re-locates symbols in the </a:t>
+              <a:t>With “</a:t>
+            </a:r>
+            <a:r>
+              <a:rPr lang="en-US" dirty="0" err="1" smtClean="0"/>
+              <a:t>gcc</a:t>
+            </a:r>
+            <a:r>
+              <a:rPr lang="en-US" dirty="0" smtClean="0"/>
+              <a:t> </a:t>
+            </a:r>
+            <a:r>
+              <a:rPr lang="en-US" dirty="0" err="1" smtClean="0"/>
+              <a:t>sum.o</a:t>
+            </a:r>
+            <a:r>
+              <a:rPr lang="en-US" dirty="0" smtClean="0"/>
+              <a:t> </a:t>
+            </a:r>
+            <a:r>
+              <a:rPr lang="en-US" dirty="0" err="1" smtClean="0"/>
+              <a:t>main.o</a:t>
+            </a:r>
+            <a:r>
+              <a:rPr lang="en-US" dirty="0" smtClean="0"/>
+              <a:t>”, </a:t>
+            </a:r>
+          </a:p>
+          <a:p>
+            <a:pPr lvl="2"/>
+            <a:r>
+              <a:rPr lang="en-US" dirty="0" smtClean="0"/>
+              <a:t>linker re</a:t>
+            </a:r>
+            <a:r>
+              <a:rPr lang="en-US" dirty="0" smtClean="0"/>
+              <a:t>-locates symbols in the </a:t>
             </a:r>
             <a:r>
               <a:rPr lang="en-US" dirty="0" smtClean="0">
@@ -18068,25 +17847,16 @@
             </a:r>
             <a:r>
               <a:rPr lang="en-US" dirty="0" smtClean="0"/>
-              <a:t> files to their final </a:t>
+              <a:t> files to their final memory locations in the </a:t>
             </a:r>
             <a:r>
               <a:rPr lang="en-US" dirty="0" smtClean="0"/>
-              <a:t>memory </a:t>
+              <a:t>executable by replacing </a:t>
             </a:r>
             <a:r>
               <a:rPr lang="en-US" dirty="0" smtClean="0"/>
-              <a:t>locations in the executable</a:t>
-            </a:r>
-            <a:r>
-              <a:rPr lang="en-US" dirty="0" smtClean="0"/>
-              <a:t>. </a:t>
-            </a:r>
-            <a:r>
-              <a:rPr lang="en-US" dirty="0" smtClean="0"/>
-              <a:t>Replace placeholders with actual addresses.</a:t>
-            </a:r>
-            <a:endParaRPr lang="en-US" dirty="0" smtClean="0"/>
+              <a:t>placeholders with actual addresses.</a:t>
+            </a:r>
           </a:p>
         </p:txBody>
       </p:sp>
@@ -18098,7 +17868,7 @@
         </p:nvSpPr>
         <p:spPr>
           <a:xfrm>
-            <a:off x="396875" y="5664498"/>
+            <a:off x="396875" y="5895330"/>
             <a:ext cx="5978469" cy="461665"/>
           </a:xfrm>
           <a:prstGeom prst="rect">
@@ -18206,8 +17976,17 @@
           <a:p>
             <a:r>
               <a:rPr lang="en-US" dirty="0" smtClean="0"/>
-              <a:t>ELF is Linux’s binary format for object files, including </a:t>
-            </a:r>
+              <a:t>ELF is Linux’s binary format for object </a:t>
+            </a:r>
+            <a:r>
+              <a:rPr lang="en-US" dirty="0" smtClean="0"/>
+              <a:t>files</a:t>
+            </a:r>
+            <a:r>
+              <a:rPr lang="en-US" dirty="0"/>
+              <a:t>:</a:t>
+            </a:r>
+            <a:endParaRPr lang="en-US" dirty="0" smtClean="0"/>
           </a:p>
           <a:p>
             <a:pPr lvl="1"/>
@@ -21911,7 +21690,7 @@
             <a:pPr lvl="1"/>
             <a:r>
               <a:rPr lang="en-US" dirty="0" smtClean="0"/>
-              <a:t>data storage</a:t>
+              <a:t>memory layout</a:t>
             </a:r>
             <a:endParaRPr lang="en-US" dirty="0"/>
           </a:p>
@@ -25737,9 +25516,9 @@
             <a:avLst/>
           </a:prstGeom>
           <a:solidFill>
-            <a:schemeClr val="bg2">
-              <a:lumMod val="20000"/>
-              <a:lumOff val="80000"/>
+            <a:schemeClr val="accent4">
+              <a:lumMod val="40000"/>
+              <a:lumOff val="60000"/>
             </a:schemeClr>
           </a:solidFill>
           <a:ln w="28575" cap="flat" cmpd="sng" algn="ctr">
@@ -33638,11 +33417,7 @@
             </a:r>
             <a:r>
               <a:rPr lang="en-GB" dirty="0" smtClean="0"/>
-              <a:t>at program load-</a:t>
-            </a:r>
-            <a:r>
-              <a:rPr lang="en-GB" dirty="0" smtClean="0"/>
-              <a:t>time </a:t>
+              <a:t>at program load-time </a:t>
             </a:r>
           </a:p>
           <a:p>
@@ -33724,7 +33499,7 @@
             </a:r>
             <a:r>
               <a:rPr lang="en-GB" dirty="0" smtClean="0"/>
-              <a:t>usually dynamically </a:t>
+              <a:t>dynamically </a:t>
             </a:r>
             <a:r>
               <a:rPr lang="en-GB" dirty="0"/>
@@ -33786,11 +33561,7 @@
             </a:pPr>
             <a:r>
               <a:rPr lang="en-GB" dirty="0" smtClean="0"/>
-              <a:t>In </a:t>
-            </a:r>
-            <a:r>
-              <a:rPr lang="en-GB" dirty="0" smtClean="0"/>
-              <a:t>Linux, </a:t>
+              <a:t>In Linux, </a:t>
             </a:r>
             <a:r>
               <a:rPr lang="en-GB" dirty="0"/>
@@ -33808,9 +33579,6 @@
               </a:rPr>
               <a:t>.</a:t>
             </a:r>
-            <a:endParaRPr lang="en-GB" dirty="0" smtClean="0">
-              <a:latin typeface="Courier New" pitchFamily="49" charset="0"/>
-            </a:endParaRPr>
           </a:p>
           <a:p>
             <a:pPr>
@@ -34131,11 +33899,7 @@
           <a:p>
             <a:r>
               <a:rPr lang="en-US" smtClean="0"/>
-              <a:t>Today’s </a:t>
-            </a:r>
-            <a:r>
-              <a:rPr lang="en-US" smtClean="0"/>
-              <a:t>lesson plan</a:t>
+              <a:t>Today’s lesson plan</a:t>
             </a:r>
             <a:endParaRPr lang="en-US" dirty="0"/>
           </a:p>
@@ -34169,11 +33933,7 @@
           <a:p>
             <a:r>
               <a:rPr lang="en-US" dirty="0" smtClean="0"/>
-              <a:t>Code </a:t>
-            </a:r>
-            <a:r>
-              <a:rPr lang="en-US" dirty="0" smtClean="0"/>
-              <a:t>optimization (done by the compiler)</a:t>
+              <a:t>Code optimization (done by the compiler)</a:t>
             </a:r>
           </a:p>
           <a:p>
@@ -37390,11 +37150,7 @@
             </a:pPr>
             <a:r>
               <a:rPr lang="en-US" dirty="0" smtClean="0"/>
-              <a:t>Common optimization</a:t>
-            </a:r>
-            <a:r>
-              <a:rPr lang="en-US" dirty="0" smtClean="0"/>
-              <a:t>: code motion</a:t>
+              <a:t>Common optimization: code motion</a:t>
             </a:r>
           </a:p>
         </p:txBody>
@@ -37420,7 +37176,7 @@
         </p:spPr>
         <p:txBody>
           <a:bodyPr lIns="90487" tIns="44450" rIns="90487" bIns="44450">
-            <a:normAutofit fontScale="92500" lnSpcReduction="20000"/>
+            <a:normAutofit/>
           </a:bodyPr>
           <a:lstStyle/>
           <a:p>
@@ -37429,8 +37185,13 @@
             </a:pPr>
             <a:r>
               <a:rPr lang="en-US" dirty="0" smtClean="0"/>
-              <a:t>Move computation outside of loop if result remains the same</a:t>
-            </a:r>
+              <a:t>Move computation outside of </a:t>
+            </a:r>
+            <a:r>
+              <a:rPr lang="en-US" dirty="0" smtClean="0"/>
+              <a:t>loop</a:t>
+            </a:r>
+            <a:endParaRPr lang="en-US" dirty="0" smtClean="0"/>
           </a:p>
         </p:txBody>
       </p:sp>
@@ -38056,26 +37817,14 @@
             </a:pPr>
             <a:r>
               <a:rPr lang="en-US" dirty="0" smtClean="0"/>
-              <a:t>Common Optimization</a:t>
-            </a:r>
-            <a:r>
-              <a:rPr lang="en-US" dirty="0" smtClean="0"/>
-              <a:t>: </a:t>
-            </a:r>
-            <a:r>
-              <a:rPr lang="en-US" dirty="0" smtClean="0"/>
-              <a:t/>
+              <a:t>Common Optimization: </a:t>
             </a:r>
             <a:br>
               <a:rPr lang="en-US" dirty="0" smtClean="0"/>
             </a:br>
             <a:r>
               <a:rPr lang="en-US" dirty="0" smtClean="0"/>
-              <a:t>use </a:t>
-            </a:r>
-            <a:r>
-              <a:rPr lang="en-US" dirty="0" smtClean="0"/>
-              <a:t>simpler instructions</a:t>
+              <a:t>use simpler instructions</a:t>
             </a:r>
           </a:p>
         </p:txBody>
@@ -38964,26 +38713,14 @@
             </a:pPr>
             <a:r>
               <a:rPr lang="en-US" dirty="0" smtClean="0"/>
-              <a:t>Common Optimization</a:t>
-            </a:r>
-            <a:r>
-              <a:rPr lang="en-US" dirty="0" smtClean="0"/>
-              <a:t>: </a:t>
-            </a:r>
-            <a:r>
-              <a:rPr lang="en-US" dirty="0" smtClean="0"/>
-              <a:t/>
+              <a:t>Common Optimization: </a:t>
             </a:r>
             <a:br>
               <a:rPr lang="en-US" dirty="0" smtClean="0"/>
             </a:br>
             <a:r>
               <a:rPr lang="en-US" dirty="0" smtClean="0"/>
-              <a:t>reuse </a:t>
-            </a:r>
-            <a:r>
-              <a:rPr lang="en-US" dirty="0" smtClean="0"/>
-              <a:t>common </a:t>
+              <a:t>reuse common </a:t>
             </a:r>
             <a:r>
               <a:rPr lang="en-US" dirty="0" err="1" smtClean="0"/>
